--- a/img/StockOrderSystem_RabbitMQ.pptx
+++ b/img/StockOrderSystem_RabbitMQ.pptx
@@ -107,6 +107,11 @@
       </a:defRPr>
     </a:lvl9pPr>
   </p:defaultTextStyle>
+  <p:extLst>
+    <p:ext uri="{EFAFB233-063F-42B5-8137-9DF3F51BA10A}">
+      <p15:sldGuideLst xmlns:p15="http://schemas.microsoft.com/office/powerpoint/2012/main"/>
+    </p:ext>
+  </p:extLst>
 </p:presentation>
 </file>
 
@@ -4833,6 +4838,79 @@
               <a:t>{JSON}</a:t>
             </a:r>
             <a:endParaRPr lang="ko-KR" altLang="en-US" sz="1400" dirty="0"/>
+          </a:p>
+        </p:txBody>
+      </p:sp>
+      <p:pic>
+        <p:nvPicPr>
+          <p:cNvPr id="26" name="그림 25">
+            <a:extLst>
+              <a:ext uri="{FF2B5EF4-FFF2-40B4-BE49-F238E27FC236}">
+                <a16:creationId xmlns:a16="http://schemas.microsoft.com/office/drawing/2014/main" id="{606D324D-74F7-CE00-5EA8-A94168A67899}"/>
+              </a:ext>
+            </a:extLst>
+          </p:cNvPr>
+          <p:cNvPicPr>
+            <a:picLocks noChangeAspect="1"/>
+          </p:cNvPicPr>
+          <p:nvPr/>
+        </p:nvPicPr>
+        <p:blipFill>
+          <a:blip r:embed="rId2">
+            <a:extLst>
+              <a:ext uri="{28A0092B-C50C-407E-A947-70E740481C1C}">
+                <a14:useLocalDpi xmlns:a14="http://schemas.microsoft.com/office/drawing/2010/main" val="0"/>
+              </a:ext>
+            </a:extLst>
+          </a:blip>
+          <a:stretch>
+            <a:fillRect/>
+          </a:stretch>
+        </p:blipFill>
+        <p:spPr>
+          <a:xfrm>
+            <a:off x="4758613" y="1638833"/>
+            <a:ext cx="489199" cy="517781"/>
+          </a:xfrm>
+          <a:prstGeom prst="rect">
+            <a:avLst/>
+          </a:prstGeom>
+        </p:spPr>
+      </p:pic>
+      <p:sp>
+        <p:nvSpPr>
+          <p:cNvPr id="28" name="TextBox 27">
+            <a:extLst>
+              <a:ext uri="{FF2B5EF4-FFF2-40B4-BE49-F238E27FC236}">
+                <a16:creationId xmlns:a16="http://schemas.microsoft.com/office/drawing/2014/main" id="{FE4C8516-9EDD-5AF1-6066-EB3464E96DCF}"/>
+              </a:ext>
+            </a:extLst>
+          </p:cNvPr>
+          <p:cNvSpPr txBox="1"/>
+          <p:nvPr/>
+        </p:nvSpPr>
+        <p:spPr>
+          <a:xfrm>
+            <a:off x="5199932" y="1763117"/>
+            <a:ext cx="1792135" cy="461665"/>
+          </a:xfrm>
+          <a:prstGeom prst="rect">
+            <a:avLst/>
+          </a:prstGeom>
+          <a:noFill/>
+        </p:spPr>
+        <p:txBody>
+          <a:bodyPr wrap="square" rtlCol="0">
+            <a:spAutoFit/>
+          </a:bodyPr>
+          <a:lstStyle/>
+          <a:p>
+            <a:pPr algn="ctr"/>
+            <a:r>
+              <a:rPr lang="en-US" altLang="ko-KR" sz="2400" b="1" dirty="0"/>
+              <a:t>RabbitMQ</a:t>
+            </a:r>
+            <a:endParaRPr lang="ko-KR" altLang="en-US" sz="2400" b="1" dirty="0"/>
           </a:p>
         </p:txBody>
       </p:sp>
